--- a/To the Moon and back.pptx
+++ b/To the Moon and back.pptx
@@ -110,6 +110,11 @@
       </a:defRPr>
     </a:lvl9pPr>
   </p:defaultTextStyle>
+  <p:extLst>
+    <p:ext uri="{EFAFB233-063F-42B5-8137-9DF3F51BA10A}">
+      <p15:sldGuideLst xmlns:p15="http://schemas.microsoft.com/office/powerpoint/2012/main"/>
+    </p:ext>
+  </p:extLst>
 </p:presentation>
 </file>
 
@@ -262,7 +267,7 @@
           <a:p>
             <a:fld id="{7801C48F-8802-4AC9-B1DB-5BC38B78EC79}" type="datetimeFigureOut">
               <a:rPr lang="en-CH" smtClean="0"/>
-              <a:t>16/12/2021</a:t>
+              <a:t>12/21/2021</a:t>
             </a:fld>
             <a:endParaRPr lang="en-CH"/>
           </a:p>
@@ -462,7 +467,7 @@
           <a:p>
             <a:fld id="{7801C48F-8802-4AC9-B1DB-5BC38B78EC79}" type="datetimeFigureOut">
               <a:rPr lang="en-CH" smtClean="0"/>
-              <a:t>16/12/2021</a:t>
+              <a:t>12/21/2021</a:t>
             </a:fld>
             <a:endParaRPr lang="en-CH"/>
           </a:p>
@@ -672,7 +677,7 @@
           <a:p>
             <a:fld id="{7801C48F-8802-4AC9-B1DB-5BC38B78EC79}" type="datetimeFigureOut">
               <a:rPr lang="en-CH" smtClean="0"/>
-              <a:t>16/12/2021</a:t>
+              <a:t>12/21/2021</a:t>
             </a:fld>
             <a:endParaRPr lang="en-CH"/>
           </a:p>
@@ -872,7 +877,7 @@
           <a:p>
             <a:fld id="{7801C48F-8802-4AC9-B1DB-5BC38B78EC79}" type="datetimeFigureOut">
               <a:rPr lang="en-CH" smtClean="0"/>
-              <a:t>16/12/2021</a:t>
+              <a:t>12/21/2021</a:t>
             </a:fld>
             <a:endParaRPr lang="en-CH"/>
           </a:p>
@@ -1148,7 +1153,7 @@
           <a:p>
             <a:fld id="{7801C48F-8802-4AC9-B1DB-5BC38B78EC79}" type="datetimeFigureOut">
               <a:rPr lang="en-CH" smtClean="0"/>
-              <a:t>16/12/2021</a:t>
+              <a:t>12/21/2021</a:t>
             </a:fld>
             <a:endParaRPr lang="en-CH"/>
           </a:p>
@@ -1416,7 +1421,7 @@
           <a:p>
             <a:fld id="{7801C48F-8802-4AC9-B1DB-5BC38B78EC79}" type="datetimeFigureOut">
               <a:rPr lang="en-CH" smtClean="0"/>
-              <a:t>16/12/2021</a:t>
+              <a:t>12/21/2021</a:t>
             </a:fld>
             <a:endParaRPr lang="en-CH"/>
           </a:p>
@@ -1831,7 +1836,7 @@
           <a:p>
             <a:fld id="{7801C48F-8802-4AC9-B1DB-5BC38B78EC79}" type="datetimeFigureOut">
               <a:rPr lang="en-CH" smtClean="0"/>
-              <a:t>16/12/2021</a:t>
+              <a:t>12/21/2021</a:t>
             </a:fld>
             <a:endParaRPr lang="en-CH"/>
           </a:p>
@@ -1973,7 +1978,7 @@
           <a:p>
             <a:fld id="{7801C48F-8802-4AC9-B1DB-5BC38B78EC79}" type="datetimeFigureOut">
               <a:rPr lang="en-CH" smtClean="0"/>
-              <a:t>16/12/2021</a:t>
+              <a:t>12/21/2021</a:t>
             </a:fld>
             <a:endParaRPr lang="en-CH"/>
           </a:p>
@@ -2086,7 +2091,7 @@
           <a:p>
             <a:fld id="{7801C48F-8802-4AC9-B1DB-5BC38B78EC79}" type="datetimeFigureOut">
               <a:rPr lang="en-CH" smtClean="0"/>
-              <a:t>16/12/2021</a:t>
+              <a:t>12/21/2021</a:t>
             </a:fld>
             <a:endParaRPr lang="en-CH"/>
           </a:p>
@@ -2399,7 +2404,7 @@
           <a:p>
             <a:fld id="{7801C48F-8802-4AC9-B1DB-5BC38B78EC79}" type="datetimeFigureOut">
               <a:rPr lang="en-CH" smtClean="0"/>
-              <a:t>16/12/2021</a:t>
+              <a:t>12/21/2021</a:t>
             </a:fld>
             <a:endParaRPr lang="en-CH"/>
           </a:p>
@@ -2688,7 +2693,7 @@
           <a:p>
             <a:fld id="{7801C48F-8802-4AC9-B1DB-5BC38B78EC79}" type="datetimeFigureOut">
               <a:rPr lang="en-CH" smtClean="0"/>
-              <a:t>16/12/2021</a:t>
+              <a:t>12/21/2021</a:t>
             </a:fld>
             <a:endParaRPr lang="en-CH"/>
           </a:p>
@@ -2931,7 +2936,7 @@
           <a:p>
             <a:fld id="{7801C48F-8802-4AC9-B1DB-5BC38B78EC79}" type="datetimeFigureOut">
               <a:rPr lang="en-CH" smtClean="0"/>
-              <a:t>16/12/2021</a:t>
+              <a:t>12/21/2021</a:t>
             </a:fld>
             <a:endParaRPr lang="en-CH"/>
           </a:p>
@@ -3350,10 +3355,10 @@
       </p:grpSpPr>
       <p:pic>
         <p:nvPicPr>
-          <p:cNvPr id="5" name="Picture 4" descr="A starry night sky&#10;&#10;Description automatically generated with low confidence">
-            <a:extLst>
-              <a:ext uri="{FF2B5EF4-FFF2-40B4-BE49-F238E27FC236}">
-                <a16:creationId xmlns:a16="http://schemas.microsoft.com/office/drawing/2014/main" id="{44C616BB-332C-4498-A565-62ECFE6E2803}"/>
+          <p:cNvPr id="8" name="Picture 7" descr="A picture containing text&#10;&#10;Description automatically generated">
+            <a:extLst>
+              <a:ext uri="{FF2B5EF4-FFF2-40B4-BE49-F238E27FC236}">
+                <a16:creationId xmlns:a16="http://schemas.microsoft.com/office/drawing/2014/main" id="{0C96B670-D31A-44F6-B2CF-E0BFA6E57BD8}"/>
               </a:ext>
             </a:extLst>
           </p:cNvPr>
@@ -3376,8 +3381,8 @@
         </p:blipFill>
         <p:spPr>
           <a:xfrm>
-            <a:off x="-76201" y="354035"/>
-            <a:ext cx="13027843" cy="8669438"/>
+            <a:off x="-212998" y="-551266"/>
+            <a:ext cx="12617996" cy="7960532"/>
           </a:xfrm>
           <a:prstGeom prst="rect">
             <a:avLst/>
@@ -3416,7 +3421,7 @@
                   <a:schemeClr val="bg1"/>
                 </a:solidFill>
               </a:rPr>
-              <a:t>“To the Moon and back”</a:t>
+              <a:t>“To Moon and back”</a:t>
             </a:r>
             <a:br>
               <a:rPr lang="en-GB" sz="8000" dirty="0">
@@ -3517,10 +3522,10 @@
       </p:grpSpPr>
       <p:pic>
         <p:nvPicPr>
-          <p:cNvPr id="5" name="Picture 4" descr="A starry night sky&#10;&#10;Description automatically generated with low confidence">
-            <a:extLst>
-              <a:ext uri="{FF2B5EF4-FFF2-40B4-BE49-F238E27FC236}">
-                <a16:creationId xmlns:a16="http://schemas.microsoft.com/office/drawing/2014/main" id="{44C616BB-332C-4498-A565-62ECFE6E2803}"/>
+          <p:cNvPr id="3" name="Picture 2" descr="A picture containing text&#10;&#10;Description automatically generated">
+            <a:extLst>
+              <a:ext uri="{FF2B5EF4-FFF2-40B4-BE49-F238E27FC236}">
+                <a16:creationId xmlns:a16="http://schemas.microsoft.com/office/drawing/2014/main" id="{FEB321F7-2BCA-4736-8C7A-67853701CFA7}"/>
               </a:ext>
             </a:extLst>
           </p:cNvPr>
@@ -3531,7 +3536,23 @@
         </p:nvPicPr>
         <p:blipFill>
           <a:blip r:embed="rId2">
-            <a:extLst>
+            <a:alphaModFix/>
+            <a:extLst>
+              <a:ext uri="{BEBA8EAE-BF5A-486C-A8C5-ECC9F3942E4B}">
+                <a14:imgProps xmlns:a14="http://schemas.microsoft.com/office/drawing/2010/main">
+                  <a14:imgLayer r:embed="rId3">
+                    <a14:imgEffect>
+                      <a14:sharpenSoften amount="-100000"/>
+                    </a14:imgEffect>
+                    <a14:imgEffect>
+                      <a14:colorTemperature colorTemp="4004"/>
+                    </a14:imgEffect>
+                    <a14:imgEffect>
+                      <a14:saturation sat="0"/>
+                    </a14:imgEffect>
+                  </a14:imgLayer>
+                </a14:imgProps>
+              </a:ext>
               <a:ext uri="{28A0092B-C50C-407E-A947-70E740481C1C}">
                 <a14:useLocalDpi xmlns:a14="http://schemas.microsoft.com/office/drawing/2010/main" val="0"/>
               </a:ext>
@@ -3543,12 +3564,17 @@
         </p:blipFill>
         <p:spPr>
           <a:xfrm>
-            <a:off x="-76201" y="354035"/>
-            <a:ext cx="13027843" cy="8669438"/>
+            <a:off x="-800100" y="-921661"/>
+            <a:ext cx="14254843" cy="8993198"/>
           </a:xfrm>
           <a:prstGeom prst="rect">
             <a:avLst/>
           </a:prstGeom>
+          <a:effectLst>
+            <a:outerShdw blurRad="50800" dist="50800" dir="5400000" algn="ctr" rotWithShape="0">
+              <a:srgbClr val="000000"/>
+            </a:outerShdw>
+          </a:effectLst>
         </p:spPr>
       </p:pic>
       <p:sp>
@@ -3583,7 +3609,7 @@
                   <a:schemeClr val="bg1"/>
                 </a:solidFill>
               </a:rPr>
-              <a:t>Le “Game Design”</a:t>
+              <a:t>The “Game Design”</a:t>
             </a:r>
           </a:p>
           <a:p>
@@ -3605,23 +3631,20 @@
               <a:t>Game Design: 		The basic game design is an </a:t>
             </a:r>
             <a:r>
-              <a:rPr lang="en-GB" dirty="0">
-                <a:solidFill>
-                  <a:schemeClr val="bg1"/>
-                </a:solidFill>
-                <a:highlight>
-                  <a:srgbClr val="00FF00"/>
-                </a:highlight>
-              </a:rPr>
-              <a:t>Infinite scroller</a:t>
-            </a:r>
-            <a:r>
-              <a:rPr lang="en-GB" dirty="0">
-                <a:solidFill>
-                  <a:schemeClr val="bg1"/>
-                </a:solidFill>
-              </a:rPr>
-              <a:t>, a 			game in which the end is only defined by the 			players death</a:t>
+              <a:rPr lang="en-GB" b="1" dirty="0">
+                <a:solidFill>
+                  <a:schemeClr val="bg1"/>
+                </a:solidFill>
+              </a:rPr>
+              <a:t>Infinite scroll</a:t>
+            </a:r>
+            <a:r>
+              <a:rPr lang="en-GB" dirty="0">
+                <a:solidFill>
+                  <a:schemeClr val="bg1"/>
+                </a:solidFill>
+              </a:rPr>
+              <a:t>er, a 			game in which the end is only defined by the 			players death</a:t>
             </a:r>
           </a:p>
           <a:p>
@@ -3670,39 +3693,7 @@
                   <a:schemeClr val="bg1"/>
                 </a:solidFill>
               </a:rPr>
-              <a:t>But du jeu : 		</a:t>
-            </a:r>
-            <a:r>
-              <a:rPr lang="en-GB" dirty="0" err="1">
-                <a:solidFill>
-                  <a:schemeClr val="bg1"/>
-                </a:solidFill>
-              </a:rPr>
-              <a:t>Tenir</a:t>
-            </a:r>
-            <a:r>
-              <a:rPr lang="en-GB" dirty="0">
-                <a:solidFill>
-                  <a:schemeClr val="bg1"/>
-                </a:solidFill>
-              </a:rPr>
-              <a:t> le plus </a:t>
-            </a:r>
-            <a:r>
-              <a:rPr lang="en-GB" dirty="0" err="1">
-                <a:solidFill>
-                  <a:schemeClr val="bg1"/>
-                </a:solidFill>
-              </a:rPr>
-              <a:t>longtemps</a:t>
-            </a:r>
-            <a:r>
-              <a:rPr lang="en-GB" dirty="0">
-                <a:solidFill>
-                  <a:schemeClr val="bg1"/>
-                </a:solidFill>
-              </a:rPr>
-              <a:t> possible.</a:t>
+              <a:t>Goal: 			Stay alive as long as possible</a:t>
             </a:r>
           </a:p>
           <a:p>
@@ -3747,10 +3738,10 @@
       </p:grpSpPr>
       <p:pic>
         <p:nvPicPr>
-          <p:cNvPr id="5" name="Picture 4" descr="A starry night sky&#10;&#10;Description automatically generated with low confidence">
-            <a:extLst>
-              <a:ext uri="{FF2B5EF4-FFF2-40B4-BE49-F238E27FC236}">
-                <a16:creationId xmlns:a16="http://schemas.microsoft.com/office/drawing/2014/main" id="{44C616BB-332C-4498-A565-62ECFE6E2803}"/>
+          <p:cNvPr id="4" name="Picture 3" descr="A picture containing text&#10;&#10;Description automatically generated">
+            <a:extLst>
+              <a:ext uri="{FF2B5EF4-FFF2-40B4-BE49-F238E27FC236}">
+                <a16:creationId xmlns:a16="http://schemas.microsoft.com/office/drawing/2014/main" id="{5ACF2DB7-EBA3-4C2B-B56E-F789A98537F6}"/>
               </a:ext>
             </a:extLst>
           </p:cNvPr>
@@ -3761,7 +3752,23 @@
         </p:nvPicPr>
         <p:blipFill>
           <a:blip r:embed="rId2">
-            <a:extLst>
+            <a:alphaModFix/>
+            <a:extLst>
+              <a:ext uri="{BEBA8EAE-BF5A-486C-A8C5-ECC9F3942E4B}">
+                <a14:imgProps xmlns:a14="http://schemas.microsoft.com/office/drawing/2010/main">
+                  <a14:imgLayer r:embed="rId3">
+                    <a14:imgEffect>
+                      <a14:sharpenSoften amount="-100000"/>
+                    </a14:imgEffect>
+                    <a14:imgEffect>
+                      <a14:colorTemperature colorTemp="4004"/>
+                    </a14:imgEffect>
+                    <a14:imgEffect>
+                      <a14:saturation sat="0"/>
+                    </a14:imgEffect>
+                  </a14:imgLayer>
+                </a14:imgProps>
+              </a:ext>
               <a:ext uri="{28A0092B-C50C-407E-A947-70E740481C1C}">
                 <a14:useLocalDpi xmlns:a14="http://schemas.microsoft.com/office/drawing/2010/main" val="0"/>
               </a:ext>
@@ -3773,12 +3780,17 @@
         </p:blipFill>
         <p:spPr>
           <a:xfrm>
-            <a:off x="-76201" y="354035"/>
-            <a:ext cx="13027843" cy="8669438"/>
+            <a:off x="-800100" y="-921661"/>
+            <a:ext cx="14254843" cy="8993198"/>
           </a:xfrm>
           <a:prstGeom prst="rect">
             <a:avLst/>
           </a:prstGeom>
+          <a:effectLst>
+            <a:outerShdw blurRad="50800" dist="50800" dir="5400000" algn="ctr" rotWithShape="0">
+              <a:srgbClr val="000000"/>
+            </a:outerShdw>
+          </a:effectLst>
         </p:spPr>
       </p:pic>
       <p:sp>
@@ -3809,23 +3821,12 @@
           <a:p>
             <a:pPr algn="l"/>
             <a:r>
-              <a:rPr lang="en-GB" dirty="0">
-                <a:solidFill>
-                  <a:schemeClr val="bg1"/>
-                </a:solidFill>
-                <a:highlight>
-                  <a:srgbClr val="FF0000"/>
-                </a:highlight>
-              </a:rPr>
-              <a:t>Game Problems</a:t>
-            </a:r>
-            <a:r>
-              <a:rPr lang="en-GB" dirty="0">
-                <a:solidFill>
-                  <a:schemeClr val="bg1"/>
-                </a:solidFill>
-              </a:rPr>
-              <a:t>:</a:t>
+              <a:rPr lang="en-GB" b="1" dirty="0">
+                <a:solidFill>
+                  <a:schemeClr val="bg1"/>
+                </a:solidFill>
+              </a:rPr>
+              <a:t>Game Problems:</a:t>
             </a:r>
           </a:p>
           <a:p>
@@ -3864,23 +3865,12 @@
           <a:p>
             <a:pPr algn="l"/>
             <a:r>
-              <a:rPr lang="en-GB" dirty="0">
-                <a:solidFill>
-                  <a:schemeClr val="bg1"/>
-                </a:solidFill>
-                <a:highlight>
-                  <a:srgbClr val="00FF00"/>
-                </a:highlight>
-              </a:rPr>
-              <a:t>Game Improvements</a:t>
-            </a:r>
-            <a:r>
-              <a:rPr lang="en-GB" dirty="0">
-                <a:solidFill>
-                  <a:schemeClr val="bg1"/>
-                </a:solidFill>
-              </a:rPr>
-              <a:t>:</a:t>
+              <a:rPr lang="en-GB" b="1" dirty="0">
+                <a:solidFill>
+                  <a:schemeClr val="bg1"/>
+                </a:solidFill>
+              </a:rPr>
+              <a:t>Game Improvements:</a:t>
             </a:r>
           </a:p>
           <a:p>
@@ -3969,10 +3959,10 @@
       </p:grpSpPr>
       <p:pic>
         <p:nvPicPr>
-          <p:cNvPr id="5" name="Picture 4" descr="A starry night sky&#10;&#10;Description automatically generated with low confidence">
-            <a:extLst>
-              <a:ext uri="{FF2B5EF4-FFF2-40B4-BE49-F238E27FC236}">
-                <a16:creationId xmlns:a16="http://schemas.microsoft.com/office/drawing/2014/main" id="{64E7B3C5-6EA7-44D8-8524-A8706FEDD6C2}"/>
+          <p:cNvPr id="4" name="Picture 3" descr="A picture containing text&#10;&#10;Description automatically generated">
+            <a:extLst>
+              <a:ext uri="{FF2B5EF4-FFF2-40B4-BE49-F238E27FC236}">
+                <a16:creationId xmlns:a16="http://schemas.microsoft.com/office/drawing/2014/main" id="{70DB9FE2-463B-4BB9-93F5-F03535BD669B}"/>
               </a:ext>
             </a:extLst>
           </p:cNvPr>
@@ -3983,7 +3973,23 @@
         </p:nvPicPr>
         <p:blipFill>
           <a:blip r:embed="rId2">
-            <a:extLst>
+            <a:alphaModFix/>
+            <a:extLst>
+              <a:ext uri="{BEBA8EAE-BF5A-486C-A8C5-ECC9F3942E4B}">
+                <a14:imgProps xmlns:a14="http://schemas.microsoft.com/office/drawing/2010/main">
+                  <a14:imgLayer r:embed="rId3">
+                    <a14:imgEffect>
+                      <a14:sharpenSoften amount="-100000"/>
+                    </a14:imgEffect>
+                    <a14:imgEffect>
+                      <a14:colorTemperature colorTemp="4004"/>
+                    </a14:imgEffect>
+                    <a14:imgEffect>
+                      <a14:saturation sat="0"/>
+                    </a14:imgEffect>
+                  </a14:imgLayer>
+                </a14:imgProps>
+              </a:ext>
               <a:ext uri="{28A0092B-C50C-407E-A947-70E740481C1C}">
                 <a14:useLocalDpi xmlns:a14="http://schemas.microsoft.com/office/drawing/2010/main" val="0"/>
               </a:ext>
@@ -3995,12 +4001,17 @@
         </p:blipFill>
         <p:spPr>
           <a:xfrm>
-            <a:off x="-188536" y="-69698"/>
-            <a:ext cx="12422043" cy="8266304"/>
+            <a:off x="-800100" y="-921661"/>
+            <a:ext cx="14254843" cy="8993198"/>
           </a:xfrm>
           <a:prstGeom prst="rect">
             <a:avLst/>
           </a:prstGeom>
+          <a:effectLst>
+            <a:outerShdw blurRad="50800" dist="50800" dir="5400000" algn="ctr" rotWithShape="0">
+              <a:srgbClr val="000000"/>
+            </a:outerShdw>
+          </a:effectLst>
         </p:spPr>
       </p:pic>
       <p:sp>
@@ -4063,13 +4074,10 @@
               <a:t>		Game </a:t>
             </a:r>
             <a:r>
-              <a:rPr lang="en-GB" dirty="0">
-                <a:solidFill>
-                  <a:schemeClr val="bg1"/>
-                </a:solidFill>
-                <a:highlight>
-                  <a:srgbClr val="FF0000"/>
-                </a:highlight>
+              <a:rPr lang="en-GB" b="1" dirty="0">
+                <a:solidFill>
+                  <a:schemeClr val="bg1"/>
+                </a:solidFill>
               </a:rPr>
               <a:t>Constructor</a:t>
             </a:r>
@@ -4082,13 +4090,10 @@
               <a:t>, </a:t>
             </a:r>
             <a:r>
-              <a:rPr lang="en-GB" dirty="0">
-                <a:solidFill>
-                  <a:schemeClr val="bg1"/>
-                </a:solidFill>
-                <a:highlight>
-                  <a:srgbClr val="00FFFF"/>
-                </a:highlight>
+              <a:rPr lang="en-GB" b="1" dirty="0">
+                <a:solidFill>
+                  <a:schemeClr val="bg1"/>
+                </a:solidFill>
               </a:rPr>
               <a:t>Initialization</a:t>
             </a:r>
@@ -4101,13 +4106,10 @@
               <a:t> and </a:t>
             </a:r>
             <a:r>
-              <a:rPr lang="en-GB" dirty="0">
-                <a:solidFill>
-                  <a:schemeClr val="bg1"/>
-                </a:solidFill>
-                <a:highlight>
-                  <a:srgbClr val="FF00FF"/>
-                </a:highlight>
+              <a:rPr lang="en-GB" b="1" dirty="0">
+                <a:solidFill>
+                  <a:schemeClr val="bg1"/>
+                </a:solidFill>
               </a:rPr>
               <a:t>Loop.</a:t>
             </a:r>
@@ -4150,13 +4152,10 @@
               <a:t>		-</a:t>
             </a:r>
             <a:r>
-              <a:rPr lang="en-GB" dirty="0">
-                <a:solidFill>
-                  <a:schemeClr val="bg1"/>
-                </a:solidFill>
-                <a:highlight>
-                  <a:srgbClr val="FF0000"/>
-                </a:highlight>
+              <a:rPr lang="en-GB" b="1" dirty="0">
+                <a:solidFill>
+                  <a:schemeClr val="bg1"/>
+                </a:solidFill>
               </a:rPr>
               <a:t>Constructor</a:t>
             </a:r>
@@ -4207,13 +4206,10 @@
               <a:t>		-</a:t>
             </a:r>
             <a:r>
-              <a:rPr lang="en-GB" dirty="0">
-                <a:solidFill>
-                  <a:schemeClr val="bg1"/>
-                </a:solidFill>
-                <a:highlight>
-                  <a:srgbClr val="00FFFF"/>
-                </a:highlight>
+              <a:rPr lang="en-GB" b="1" dirty="0">
+                <a:solidFill>
+                  <a:schemeClr val="bg1"/>
+                </a:solidFill>
               </a:rPr>
               <a:t>Init(): </a:t>
             </a:r>
@@ -4223,7 +4219,7 @@
                   <a:schemeClr val="bg1"/>
                 </a:solidFill>
               </a:rPr>
-              <a:t>Initializes the Window, Window limits (boundaries)</a:t>
+              <a:t>Initializes the Window, Window limits 				(boundaries)</a:t>
             </a:r>
           </a:p>
           <a:p>
@@ -4277,13 +4273,10 @@
               <a:t>		-</a:t>
             </a:r>
             <a:r>
-              <a:rPr lang="en-GB" dirty="0">
-                <a:solidFill>
-                  <a:schemeClr val="bg1"/>
-                </a:solidFill>
-                <a:highlight>
-                  <a:srgbClr val="FF00FF"/>
-                </a:highlight>
+              <a:rPr lang="en-GB" b="1" dirty="0">
+                <a:solidFill>
+                  <a:schemeClr val="bg1"/>
+                </a:solidFill>
               </a:rPr>
               <a:t>Loop(): </a:t>
             </a:r>
@@ -4417,10 +4410,10 @@
       </p:grpSpPr>
       <p:pic>
         <p:nvPicPr>
-          <p:cNvPr id="5" name="Picture 4" descr="A starry night sky&#10;&#10;Description automatically generated with low confidence">
-            <a:extLst>
-              <a:ext uri="{FF2B5EF4-FFF2-40B4-BE49-F238E27FC236}">
-                <a16:creationId xmlns:a16="http://schemas.microsoft.com/office/drawing/2014/main" id="{64E7B3C5-6EA7-44D8-8524-A8706FEDD6C2}"/>
+          <p:cNvPr id="4" name="Picture 3" descr="A picture containing text&#10;&#10;Description automatically generated">
+            <a:extLst>
+              <a:ext uri="{FF2B5EF4-FFF2-40B4-BE49-F238E27FC236}">
+                <a16:creationId xmlns:a16="http://schemas.microsoft.com/office/drawing/2014/main" id="{29C3AB7C-8D78-44BF-A610-B1468BA73669}"/>
               </a:ext>
             </a:extLst>
           </p:cNvPr>
@@ -4431,7 +4424,23 @@
         </p:nvPicPr>
         <p:blipFill>
           <a:blip r:embed="rId2">
-            <a:extLst>
+            <a:alphaModFix/>
+            <a:extLst>
+              <a:ext uri="{BEBA8EAE-BF5A-486C-A8C5-ECC9F3942E4B}">
+                <a14:imgProps xmlns:a14="http://schemas.microsoft.com/office/drawing/2010/main">
+                  <a14:imgLayer r:embed="rId3">
+                    <a14:imgEffect>
+                      <a14:sharpenSoften amount="-100000"/>
+                    </a14:imgEffect>
+                    <a14:imgEffect>
+                      <a14:colorTemperature colorTemp="4004"/>
+                    </a14:imgEffect>
+                    <a14:imgEffect>
+                      <a14:saturation sat="0"/>
+                    </a14:imgEffect>
+                  </a14:imgLayer>
+                </a14:imgProps>
+              </a:ext>
               <a:ext uri="{28A0092B-C50C-407E-A947-70E740481C1C}">
                 <a14:useLocalDpi xmlns:a14="http://schemas.microsoft.com/office/drawing/2010/main" val="0"/>
               </a:ext>
@@ -4443,12 +4452,17 @@
         </p:blipFill>
         <p:spPr>
           <a:xfrm>
-            <a:off x="-188536" y="-69698"/>
-            <a:ext cx="12422043" cy="8266304"/>
+            <a:off x="-876300" y="-540661"/>
+            <a:ext cx="14254843" cy="8993198"/>
           </a:xfrm>
           <a:prstGeom prst="rect">
             <a:avLst/>
           </a:prstGeom>
+          <a:effectLst>
+            <a:outerShdw blurRad="50800" dist="50800" dir="5400000" algn="ctr" rotWithShape="0">
+              <a:srgbClr val="000000"/>
+            </a:outerShdw>
+          </a:effectLst>
         </p:spPr>
       </p:pic>
       <p:sp>
@@ -4511,13 +4525,10 @@
               <a:t>		</a:t>
             </a:r>
             <a:r>
-              <a:rPr lang="en-GB" dirty="0">
-                <a:solidFill>
-                  <a:schemeClr val="bg1"/>
-                </a:solidFill>
-                <a:highlight>
-                  <a:srgbClr val="FF0000"/>
-                </a:highlight>
+              <a:rPr lang="en-GB" b="1" dirty="0">
+                <a:solidFill>
+                  <a:schemeClr val="bg1"/>
+                </a:solidFill>
               </a:rPr>
               <a:t>-Constructor </a:t>
             </a:r>
@@ -4557,23 +4568,20 @@
               <a:t>		</a:t>
             </a:r>
             <a:r>
-              <a:rPr lang="en-GB" dirty="0">
-                <a:solidFill>
-                  <a:schemeClr val="bg1"/>
-                </a:solidFill>
-                <a:highlight>
-                  <a:srgbClr val="00FFFF"/>
-                </a:highlight>
-              </a:rPr>
-              <a:t>-Init()</a:t>
-            </a:r>
-            <a:r>
-              <a:rPr lang="en-GB" dirty="0">
-                <a:solidFill>
-                  <a:schemeClr val="bg1"/>
-                </a:solidFill>
-              </a:rPr>
-              <a:t>: Initializes the SFML &amp; Box2D Elements.</a:t>
+              <a:rPr lang="en-GB" b="1" dirty="0">
+                <a:solidFill>
+                  <a:schemeClr val="bg1"/>
+                </a:solidFill>
+              </a:rPr>
+              <a:t>-Init(): </a:t>
+            </a:r>
+            <a:r>
+              <a:rPr lang="en-GB" dirty="0">
+                <a:solidFill>
+                  <a:schemeClr val="bg1"/>
+                </a:solidFill>
+              </a:rPr>
+              <a:t>Initializes the SFML &amp; Box2D Elements.</a:t>
             </a:r>
           </a:p>
           <a:p>
@@ -4587,13 +4595,10 @@
               <a:t>		</a:t>
             </a:r>
             <a:r>
-              <a:rPr lang="en-GB" dirty="0">
-                <a:solidFill>
-                  <a:schemeClr val="bg1"/>
-                </a:solidFill>
-                <a:highlight>
-                  <a:srgbClr val="FF00FF"/>
-                </a:highlight>
+              <a:rPr lang="en-GB" b="1" dirty="0">
+                <a:solidFill>
+                  <a:schemeClr val="bg1"/>
+                </a:solidFill>
               </a:rPr>
               <a:t>-Update() </a:t>
             </a:r>
@@ -4617,13 +4622,10 @@
               <a:t>		</a:t>
             </a:r>
             <a:r>
-              <a:rPr lang="en-GB" dirty="0">
-                <a:solidFill>
-                  <a:schemeClr val="bg1"/>
-                </a:solidFill>
-                <a:highlight>
-                  <a:srgbClr val="00FF00"/>
-                </a:highlight>
+              <a:rPr lang="en-GB" b="1" dirty="0">
+                <a:solidFill>
+                  <a:schemeClr val="bg1"/>
+                </a:solidFill>
               </a:rPr>
               <a:t>-Draw() </a:t>
             </a:r>
@@ -4810,10 +4812,10 @@
       </p:grpSpPr>
       <p:pic>
         <p:nvPicPr>
-          <p:cNvPr id="5" name="Picture 4" descr="A starry night sky&#10;&#10;Description automatically generated with low confidence">
-            <a:extLst>
-              <a:ext uri="{FF2B5EF4-FFF2-40B4-BE49-F238E27FC236}">
-                <a16:creationId xmlns:a16="http://schemas.microsoft.com/office/drawing/2014/main" id="{64E7B3C5-6EA7-44D8-8524-A8706FEDD6C2}"/>
+          <p:cNvPr id="4" name="Picture 3" descr="A picture containing text&#10;&#10;Description automatically generated">
+            <a:extLst>
+              <a:ext uri="{FF2B5EF4-FFF2-40B4-BE49-F238E27FC236}">
+                <a16:creationId xmlns:a16="http://schemas.microsoft.com/office/drawing/2014/main" id="{03362ACD-AD7E-4B5D-8267-F67F799FB1F5}"/>
               </a:ext>
             </a:extLst>
           </p:cNvPr>
@@ -4824,7 +4826,23 @@
         </p:nvPicPr>
         <p:blipFill>
           <a:blip r:embed="rId2">
-            <a:extLst>
+            <a:alphaModFix/>
+            <a:extLst>
+              <a:ext uri="{BEBA8EAE-BF5A-486C-A8C5-ECC9F3942E4B}">
+                <a14:imgProps xmlns:a14="http://schemas.microsoft.com/office/drawing/2010/main">
+                  <a14:imgLayer r:embed="rId3">
+                    <a14:imgEffect>
+                      <a14:sharpenSoften amount="-100000"/>
+                    </a14:imgEffect>
+                    <a14:imgEffect>
+                      <a14:colorTemperature colorTemp="4004"/>
+                    </a14:imgEffect>
+                    <a14:imgEffect>
+                      <a14:saturation sat="0"/>
+                    </a14:imgEffect>
+                  </a14:imgLayer>
+                </a14:imgProps>
+              </a:ext>
               <a:ext uri="{28A0092B-C50C-407E-A947-70E740481C1C}">
                 <a14:useLocalDpi xmlns:a14="http://schemas.microsoft.com/office/drawing/2010/main" val="0"/>
               </a:ext>
@@ -4836,12 +4854,17 @@
         </p:blipFill>
         <p:spPr>
           <a:xfrm>
-            <a:off x="-230043" y="445772"/>
-            <a:ext cx="12422043" cy="8266304"/>
+            <a:off x="-1031422" y="-902611"/>
+            <a:ext cx="14254843" cy="8993198"/>
           </a:xfrm>
           <a:prstGeom prst="rect">
             <a:avLst/>
           </a:prstGeom>
+          <a:effectLst>
+            <a:outerShdw blurRad="50800" dist="50800" dir="5400000" algn="ctr" rotWithShape="0">
+              <a:srgbClr val="000000"/>
+            </a:outerShdw>
+          </a:effectLst>
         </p:spPr>
       </p:pic>
       <p:sp>
@@ -4916,10 +4939,10 @@
       </p:grpSpPr>
       <p:pic>
         <p:nvPicPr>
-          <p:cNvPr id="5" name="Picture 4" descr="A starry night sky&#10;&#10;Description automatically generated with low confidence">
-            <a:extLst>
-              <a:ext uri="{FF2B5EF4-FFF2-40B4-BE49-F238E27FC236}">
-                <a16:creationId xmlns:a16="http://schemas.microsoft.com/office/drawing/2014/main" id="{64E7B3C5-6EA7-44D8-8524-A8706FEDD6C2}"/>
+          <p:cNvPr id="4" name="Picture 3" descr="A picture containing text&#10;&#10;Description automatically generated">
+            <a:extLst>
+              <a:ext uri="{FF2B5EF4-FFF2-40B4-BE49-F238E27FC236}">
+                <a16:creationId xmlns:a16="http://schemas.microsoft.com/office/drawing/2014/main" id="{735BF193-FF80-41D3-9C4B-8637CF06D3A8}"/>
               </a:ext>
             </a:extLst>
           </p:cNvPr>
@@ -4930,7 +4953,23 @@
         </p:nvPicPr>
         <p:blipFill>
           <a:blip r:embed="rId2">
-            <a:extLst>
+            <a:alphaModFix/>
+            <a:extLst>
+              <a:ext uri="{BEBA8EAE-BF5A-486C-A8C5-ECC9F3942E4B}">
+                <a14:imgProps xmlns:a14="http://schemas.microsoft.com/office/drawing/2010/main">
+                  <a14:imgLayer r:embed="rId3">
+                    <a14:imgEffect>
+                      <a14:sharpenSoften amount="29000"/>
+                    </a14:imgEffect>
+                    <a14:imgEffect>
+                      <a14:colorTemperature colorTemp="7705"/>
+                    </a14:imgEffect>
+                    <a14:imgEffect>
+                      <a14:saturation sat="136000"/>
+                    </a14:imgEffect>
+                  </a14:imgLayer>
+                </a14:imgProps>
+              </a:ext>
               <a:ext uri="{28A0092B-C50C-407E-A947-70E740481C1C}">
                 <a14:useLocalDpi xmlns:a14="http://schemas.microsoft.com/office/drawing/2010/main" val="0"/>
               </a:ext>
@@ -4942,12 +4981,17 @@
         </p:blipFill>
         <p:spPr>
           <a:xfrm>
-            <a:off x="-230043" y="445772"/>
-            <a:ext cx="12422043" cy="8266304"/>
+            <a:off x="-1219200" y="-845461"/>
+            <a:ext cx="14254843" cy="8993198"/>
           </a:xfrm>
           <a:prstGeom prst="rect">
             <a:avLst/>
           </a:prstGeom>
+          <a:effectLst>
+            <a:outerShdw blurRad="50800" dist="50800" dir="5400000" algn="ctr" rotWithShape="0">
+              <a:srgbClr val="000000"/>
+            </a:outerShdw>
+          </a:effectLst>
         </p:spPr>
       </p:pic>
       <p:sp>
@@ -4968,7 +5012,7 @@
         </p:nvSpPr>
         <p:spPr>
           <a:xfrm>
-            <a:off x="1555376" y="3137649"/>
+            <a:off x="1726826" y="7004737"/>
             <a:ext cx="9144000" cy="1143000"/>
           </a:xfrm>
         </p:spPr>
